--- a/Lectures/Game AI 6.pptx
+++ b/Lectures/Game AI 6.pptx
@@ -910,7 +910,7 @@
         <p:nvSpPr>
           <p:cNvPr id="70659" name="Rectangle 2"/>
           <p:cNvSpPr>
-            <a:spLocks noRot="1" noChangeArrowheads="1" noTextEdit="1"/>
+            <a:spLocks noGrp="1" noRot="1" noChangeAspect="1" noChangeArrowheads="1" noTextEdit="1"/>
           </p:cNvSpPr>
           <p:nvPr>
             <p:ph type="sldImg"/>
@@ -1144,7 +1144,7 @@
         <p:nvSpPr>
           <p:cNvPr id="72707" name="Rectangle 2"/>
           <p:cNvSpPr>
-            <a:spLocks noRot="1" noChangeArrowheads="1" noTextEdit="1"/>
+            <a:spLocks noGrp="1" noRot="1" noChangeAspect="1" noChangeArrowheads="1" noTextEdit="1"/>
           </p:cNvSpPr>
           <p:nvPr>
             <p:ph type="sldImg"/>
@@ -1844,7 +1844,7 @@
         <p:nvSpPr>
           <p:cNvPr id="73731" name="Rectangle 2"/>
           <p:cNvSpPr>
-            <a:spLocks noRot="1" noChangeArrowheads="1" noTextEdit="1"/>
+            <a:spLocks noGrp="1" noRot="1" noChangeAspect="1" noChangeArrowheads="1" noTextEdit="1"/>
           </p:cNvSpPr>
           <p:nvPr>
             <p:ph type="sldImg"/>
@@ -2078,7 +2078,7 @@
         <p:nvSpPr>
           <p:cNvPr id="74755" name="Rectangle 2"/>
           <p:cNvSpPr>
-            <a:spLocks noRot="1" noChangeArrowheads="1" noTextEdit="1"/>
+            <a:spLocks noGrp="1" noRot="1" noChangeAspect="1" noChangeArrowheads="1" noTextEdit="1"/>
           </p:cNvSpPr>
           <p:nvPr>
             <p:ph type="sldImg"/>
@@ -2312,7 +2312,7 @@
         <p:nvSpPr>
           <p:cNvPr id="75779" name="Rectangle 2"/>
           <p:cNvSpPr>
-            <a:spLocks noRot="1" noChangeArrowheads="1" noTextEdit="1"/>
+            <a:spLocks noGrp="1" noRot="1" noChangeAspect="1" noChangeArrowheads="1" noTextEdit="1"/>
           </p:cNvSpPr>
           <p:nvPr>
             <p:ph type="sldImg"/>
@@ -2546,7 +2546,7 @@
         <p:nvSpPr>
           <p:cNvPr id="75779" name="Rectangle 2"/>
           <p:cNvSpPr>
-            <a:spLocks noRot="1" noChangeArrowheads="1" noTextEdit="1"/>
+            <a:spLocks noGrp="1" noRot="1" noChangeAspect="1" noChangeArrowheads="1" noTextEdit="1"/>
           </p:cNvSpPr>
           <p:nvPr>
             <p:ph type="sldImg"/>
@@ -2780,7 +2780,7 @@
         <p:nvSpPr>
           <p:cNvPr id="62467" name="Rectangle 2"/>
           <p:cNvSpPr>
-            <a:spLocks noRot="1" noChangeArrowheads="1" noTextEdit="1"/>
+            <a:spLocks noGrp="1" noRot="1" noChangeAspect="1" noChangeArrowheads="1" noTextEdit="1"/>
           </p:cNvSpPr>
           <p:nvPr>
             <p:ph type="sldImg"/>
@@ -3014,7 +3014,7 @@
         <p:nvSpPr>
           <p:cNvPr id="63491" name="Rectangle 2"/>
           <p:cNvSpPr>
-            <a:spLocks noRot="1" noChangeArrowheads="1" noTextEdit="1"/>
+            <a:spLocks noGrp="1" noRot="1" noChangeAspect="1" noChangeArrowheads="1" noTextEdit="1"/>
           </p:cNvSpPr>
           <p:nvPr>
             <p:ph type="sldImg"/>
@@ -3248,7 +3248,7 @@
         <p:nvSpPr>
           <p:cNvPr id="64515" name="Rectangle 2"/>
           <p:cNvSpPr>
-            <a:spLocks noRot="1" noChangeArrowheads="1" noTextEdit="1"/>
+            <a:spLocks noGrp="1" noRot="1" noChangeAspect="1" noChangeArrowheads="1" noTextEdit="1"/>
           </p:cNvSpPr>
           <p:nvPr>
             <p:ph type="sldImg"/>
@@ -3482,7 +3482,7 @@
         <p:nvSpPr>
           <p:cNvPr id="65539" name="Rectangle 2"/>
           <p:cNvSpPr>
-            <a:spLocks noRot="1" noChangeArrowheads="1" noTextEdit="1"/>
+            <a:spLocks noGrp="1" noRot="1" noChangeAspect="1" noChangeArrowheads="1" noTextEdit="1"/>
           </p:cNvSpPr>
           <p:nvPr>
             <p:ph type="sldImg"/>
@@ -3716,7 +3716,7 @@
         <p:nvSpPr>
           <p:cNvPr id="66563" name="Rectangle 2"/>
           <p:cNvSpPr>
-            <a:spLocks noRot="1" noChangeArrowheads="1" noTextEdit="1"/>
+            <a:spLocks noGrp="1" noRot="1" noChangeAspect="1" noChangeArrowheads="1" noTextEdit="1"/>
           </p:cNvSpPr>
           <p:nvPr>
             <p:ph type="sldImg"/>
@@ -3950,7 +3950,7 @@
         <p:nvSpPr>
           <p:cNvPr id="67587" name="Rectangle 2"/>
           <p:cNvSpPr>
-            <a:spLocks noRot="1" noChangeArrowheads="1" noTextEdit="1"/>
+            <a:spLocks noGrp="1" noRot="1" noChangeAspect="1" noChangeArrowheads="1" noTextEdit="1"/>
           </p:cNvSpPr>
           <p:nvPr>
             <p:ph type="sldImg"/>
@@ -4184,7 +4184,7 @@
         <p:nvSpPr>
           <p:cNvPr id="68611" name="Rectangle 2"/>
           <p:cNvSpPr>
-            <a:spLocks noRot="1" noChangeArrowheads="1" noTextEdit="1"/>
+            <a:spLocks noGrp="1" noRot="1" noChangeAspect="1" noChangeArrowheads="1" noTextEdit="1"/>
           </p:cNvSpPr>
           <p:nvPr>
             <p:ph type="sldImg"/>
@@ -4418,7 +4418,7 @@
         <p:nvSpPr>
           <p:cNvPr id="69635" name="Rectangle 2"/>
           <p:cNvSpPr>
-            <a:spLocks noRot="1" noChangeArrowheads="1" noTextEdit="1"/>
+            <a:spLocks noGrp="1" noRot="1" noChangeAspect="1" noChangeArrowheads="1" noTextEdit="1"/>
           </p:cNvSpPr>
           <p:nvPr>
             <p:ph type="sldImg"/>
@@ -10401,6 +10401,13 @@
   <p:clrMapOvr>
     <a:masterClrMapping/>
   </p:clrMapOvr>
+  <p:timing>
+    <p:tnLst>
+      <p:par>
+        <p:cTn id="1" dur="indefinite" restart="never" nodeType="tmRoot"/>
+      </p:par>
+    </p:tnLst>
+  </p:timing>
 </p:sld>
 </file>
 
@@ -21065,7 +21072,6 @@
               <a:rPr lang="en-IE" dirty="0" smtClean="0"/>
               <a:t>State/State Machines</a:t>
             </a:r>
-            <a:endParaRPr lang="en-IE" dirty="0" smtClean="0"/>
           </a:p>
         </p:txBody>
       </p:sp>
@@ -21141,7 +21147,6 @@
               <a:rPr lang="en-IE" sz="2400" dirty="0" smtClean="0"/>
               <a:t>Matt Buckland</a:t>
             </a:r>
-            <a:endParaRPr lang="en-IE" sz="2400" dirty="0" smtClean="0"/>
           </a:p>
         </p:txBody>
       </p:sp>
